--- a/documentation/Top 3 Accomplishments.pptx
+++ b/documentation/Top 3 Accomplishments.pptx
@@ -108,6 +108,11 @@
       </a:defRPr>
     </a:lvl9pPr>
   </p:defaultTextStyle>
+  <p:extLst>
+    <p:ext uri="{EFAFB233-063F-42B5-8137-9DF3F51BA10A}">
+      <p15:sldGuideLst xmlns:p15="http://schemas.microsoft.com/office/powerpoint/2012/main"/>
+    </p:ext>
+  </p:extLst>
 </p:presentation>
 </file>
 
@@ -258,7 +263,7 @@
           <a:p>
             <a:fld id="{156C2F70-3E38-42D6-A863-1A508D5D2B61}" type="datetimeFigureOut">
               <a:rPr lang="en-US" smtClean="0"/>
-              <a:t>4/24/2019</a:t>
+              <a:t>4/26/2019</a:t>
             </a:fld>
             <a:endParaRPr lang="en-US"/>
           </a:p>
@@ -456,7 +461,7 @@
           <a:p>
             <a:fld id="{156C2F70-3E38-42D6-A863-1A508D5D2B61}" type="datetimeFigureOut">
               <a:rPr lang="en-US" smtClean="0"/>
-              <a:t>4/24/2019</a:t>
+              <a:t>4/26/2019</a:t>
             </a:fld>
             <a:endParaRPr lang="en-US"/>
           </a:p>
@@ -664,7 +669,7 @@
           <a:p>
             <a:fld id="{156C2F70-3E38-42D6-A863-1A508D5D2B61}" type="datetimeFigureOut">
               <a:rPr lang="en-US" smtClean="0"/>
-              <a:t>4/24/2019</a:t>
+              <a:t>4/26/2019</a:t>
             </a:fld>
             <a:endParaRPr lang="en-US"/>
           </a:p>
@@ -862,7 +867,7 @@
           <a:p>
             <a:fld id="{156C2F70-3E38-42D6-A863-1A508D5D2B61}" type="datetimeFigureOut">
               <a:rPr lang="en-US" smtClean="0"/>
-              <a:t>4/24/2019</a:t>
+              <a:t>4/26/2019</a:t>
             </a:fld>
             <a:endParaRPr lang="en-US"/>
           </a:p>
@@ -1137,7 +1142,7 @@
           <a:p>
             <a:fld id="{156C2F70-3E38-42D6-A863-1A508D5D2B61}" type="datetimeFigureOut">
               <a:rPr lang="en-US" smtClean="0"/>
-              <a:t>4/24/2019</a:t>
+              <a:t>4/26/2019</a:t>
             </a:fld>
             <a:endParaRPr lang="en-US"/>
           </a:p>
@@ -1402,7 +1407,7 @@
           <a:p>
             <a:fld id="{156C2F70-3E38-42D6-A863-1A508D5D2B61}" type="datetimeFigureOut">
               <a:rPr lang="en-US" smtClean="0"/>
-              <a:t>4/24/2019</a:t>
+              <a:t>4/26/2019</a:t>
             </a:fld>
             <a:endParaRPr lang="en-US"/>
           </a:p>
@@ -1814,7 +1819,7 @@
           <a:p>
             <a:fld id="{156C2F70-3E38-42D6-A863-1A508D5D2B61}" type="datetimeFigureOut">
               <a:rPr lang="en-US" smtClean="0"/>
-              <a:t>4/24/2019</a:t>
+              <a:t>4/26/2019</a:t>
             </a:fld>
             <a:endParaRPr lang="en-US"/>
           </a:p>
@@ -1955,7 +1960,7 @@
           <a:p>
             <a:fld id="{156C2F70-3E38-42D6-A863-1A508D5D2B61}" type="datetimeFigureOut">
               <a:rPr lang="en-US" smtClean="0"/>
-              <a:t>4/24/2019</a:t>
+              <a:t>4/26/2019</a:t>
             </a:fld>
             <a:endParaRPr lang="en-US"/>
           </a:p>
@@ -2068,7 +2073,7 @@
           <a:p>
             <a:fld id="{156C2F70-3E38-42D6-A863-1A508D5D2B61}" type="datetimeFigureOut">
               <a:rPr lang="en-US" smtClean="0"/>
-              <a:t>4/24/2019</a:t>
+              <a:t>4/26/2019</a:t>
             </a:fld>
             <a:endParaRPr lang="en-US"/>
           </a:p>
@@ -2379,7 +2384,7 @@
           <a:p>
             <a:fld id="{156C2F70-3E38-42D6-A863-1A508D5D2B61}" type="datetimeFigureOut">
               <a:rPr lang="en-US" smtClean="0"/>
-              <a:t>4/24/2019</a:t>
+              <a:t>4/26/2019</a:t>
             </a:fld>
             <a:endParaRPr lang="en-US"/>
           </a:p>
@@ -2667,7 +2672,7 @@
           <a:p>
             <a:fld id="{156C2F70-3E38-42D6-A863-1A508D5D2B61}" type="datetimeFigureOut">
               <a:rPr lang="en-US" smtClean="0"/>
-              <a:t>4/24/2019</a:t>
+              <a:t>4/26/2019</a:t>
             </a:fld>
             <a:endParaRPr lang="en-US"/>
           </a:p>
@@ -2908,7 +2913,7 @@
           <a:p>
             <a:fld id="{156C2F70-3E38-42D6-A863-1A508D5D2B61}" type="datetimeFigureOut">
               <a:rPr lang="en-US" smtClean="0"/>
-              <a:t>4/24/2019</a:t>
+              <a:t>4/26/2019</a:t>
             </a:fld>
             <a:endParaRPr lang="en-US"/>
           </a:p>
@@ -4729,7 +4734,7 @@
           </a:stretch>
         </p:blipFill>
         <p:spPr>
-          <a:xfrm rot="5400000">
+          <a:xfrm rot="10800000">
             <a:off x="10439400" y="1683829"/>
             <a:ext cx="914400" cy="914400"/>
           </a:xfrm>
@@ -4765,7 +4770,7 @@
           </a:stretch>
         </p:blipFill>
         <p:spPr>
-          <a:xfrm rot="5400000">
+          <a:xfrm rot="10800000">
             <a:off x="10357127" y="1777240"/>
             <a:ext cx="914400" cy="914400"/>
           </a:xfrm>
@@ -4801,7 +4806,7 @@
           </a:stretch>
         </p:blipFill>
         <p:spPr>
-          <a:xfrm rot="5400000">
+          <a:xfrm rot="10800000">
             <a:off x="10248900" y="1872218"/>
             <a:ext cx="914400" cy="914400"/>
           </a:xfrm>
